--- a/figures.pptx
+++ b/figures.pptx
@@ -107,13 +107,18 @@
       </a:defRPr>
     </a:lvl9pPr>
   </p:defaultTextStyle>
+  <p:extLst>
+    <p:ext uri="{EFAFB233-063F-42B5-8137-9DF3F51BA10A}">
+      <p15:sldGuideLst xmlns:p15="http://schemas.microsoft.com/office/powerpoint/2012/main"/>
+    </p:ext>
+  </p:extLst>
 </p:presentation>
 </file>
 
 <file path=ppt/revisionInfo.xml><?xml version="1.0" encoding="utf-8"?>
 <p1510:revInfo xmlns:a="http://schemas.openxmlformats.org/drawingml/2006/main" xmlns:r="http://schemas.openxmlformats.org/officeDocument/2006/relationships" xmlns:p1510="http://schemas.microsoft.com/office/powerpoint/2015/10/main">
   <p1510:revLst>
-    <p1510:client id="{2FDF1659-7F8E-48BD-B39B-5AF4D9376796}" v="8" dt="2021-05-09T13:02:10.703"/>
+    <p1510:client id="{2FDF1659-7F8E-48BD-B39B-5AF4D9376796}" v="9" dt="2021-05-09T13:09:28.806"/>
   </p1510:revLst>
 </p1510:revInfo>
 </file>
@@ -123,12 +128,12 @@
   <pc:docChgLst>
     <pc:chgData name="Sam Min" userId="2c486e0831a7b967" providerId="LiveId" clId="{2FDF1659-7F8E-48BD-B39B-5AF4D9376796}"/>
     <pc:docChg chg="custSel addSld modSld">
-      <pc:chgData name="Sam Min" userId="2c486e0831a7b967" providerId="LiveId" clId="{2FDF1659-7F8E-48BD-B39B-5AF4D9376796}" dt="2021-05-09T13:02:10.703" v="113" actId="164"/>
+      <pc:chgData name="Sam Min" userId="2c486e0831a7b967" providerId="LiveId" clId="{2FDF1659-7F8E-48BD-B39B-5AF4D9376796}" dt="2021-05-09T13:09:30.696" v="117" actId="478"/>
       <pc:docMkLst>
         <pc:docMk/>
       </pc:docMkLst>
       <pc:sldChg chg="addSp delSp modSp mod">
-        <pc:chgData name="Sam Min" userId="2c486e0831a7b967" providerId="LiveId" clId="{2FDF1659-7F8E-48BD-B39B-5AF4D9376796}" dt="2021-05-09T13:01:44.499" v="107" actId="164"/>
+        <pc:chgData name="Sam Min" userId="2c486e0831a7b967" providerId="LiveId" clId="{2FDF1659-7F8E-48BD-B39B-5AF4D9376796}" dt="2021-05-09T13:09:30.696" v="117" actId="478"/>
         <pc:sldMkLst>
           <pc:docMk/>
           <pc:sldMk cId="3543725611" sldId="257"/>
@@ -165,6 +170,14 @@
             <ac:grpSpMk id="27" creationId="{0775DDBE-37A7-4439-A8F2-460990CC497B}"/>
           </ac:grpSpMkLst>
         </pc:grpChg>
+        <pc:picChg chg="add del mod">
+          <ac:chgData name="Sam Min" userId="2c486e0831a7b967" providerId="LiveId" clId="{2FDF1659-7F8E-48BD-B39B-5AF4D9376796}" dt="2021-05-09T13:09:30.696" v="117" actId="478"/>
+          <ac:picMkLst>
+            <pc:docMk/>
+            <pc:sldMk cId="3543725611" sldId="257"/>
+            <ac:picMk id="3" creationId="{DC9D0A1A-63BE-482F-93B3-9C737B271EE7}"/>
+          </ac:picMkLst>
+        </pc:picChg>
         <pc:picChg chg="del mod">
           <ac:chgData name="Sam Min" userId="2c486e0831a7b967" providerId="LiveId" clId="{2FDF1659-7F8E-48BD-B39B-5AF4D9376796}" dt="2021-05-09T12:59:53.849" v="4" actId="478"/>
           <ac:picMkLst>
@@ -405,7 +418,7 @@
           <a:p>
             <a:fld id="{87AF499A-B5EC-44DE-BB9F-76835AAE565A}" type="datetimeFigureOut">
               <a:rPr lang="en-US" smtClean="0"/>
-              <a:t>5/8/2021</a:t>
+              <a:t>5/9/2021</a:t>
             </a:fld>
             <a:endParaRPr lang="en-US"/>
           </a:p>
@@ -603,7 +616,7 @@
           <a:p>
             <a:fld id="{87AF499A-B5EC-44DE-BB9F-76835AAE565A}" type="datetimeFigureOut">
               <a:rPr lang="en-US" smtClean="0"/>
-              <a:t>5/8/2021</a:t>
+              <a:t>5/9/2021</a:t>
             </a:fld>
             <a:endParaRPr lang="en-US"/>
           </a:p>
@@ -811,7 +824,7 @@
           <a:p>
             <a:fld id="{87AF499A-B5EC-44DE-BB9F-76835AAE565A}" type="datetimeFigureOut">
               <a:rPr lang="en-US" smtClean="0"/>
-              <a:t>5/8/2021</a:t>
+              <a:t>5/9/2021</a:t>
             </a:fld>
             <a:endParaRPr lang="en-US"/>
           </a:p>
@@ -1009,7 +1022,7 @@
           <a:p>
             <a:fld id="{87AF499A-B5EC-44DE-BB9F-76835AAE565A}" type="datetimeFigureOut">
               <a:rPr lang="en-US" smtClean="0"/>
-              <a:t>5/8/2021</a:t>
+              <a:t>5/9/2021</a:t>
             </a:fld>
             <a:endParaRPr lang="en-US"/>
           </a:p>
@@ -1284,7 +1297,7 @@
           <a:p>
             <a:fld id="{87AF499A-B5EC-44DE-BB9F-76835AAE565A}" type="datetimeFigureOut">
               <a:rPr lang="en-US" smtClean="0"/>
-              <a:t>5/8/2021</a:t>
+              <a:t>5/9/2021</a:t>
             </a:fld>
             <a:endParaRPr lang="en-US"/>
           </a:p>
@@ -1549,7 +1562,7 @@
           <a:p>
             <a:fld id="{87AF499A-B5EC-44DE-BB9F-76835AAE565A}" type="datetimeFigureOut">
               <a:rPr lang="en-US" smtClean="0"/>
-              <a:t>5/8/2021</a:t>
+              <a:t>5/9/2021</a:t>
             </a:fld>
             <a:endParaRPr lang="en-US"/>
           </a:p>
@@ -1961,7 +1974,7 @@
           <a:p>
             <a:fld id="{87AF499A-B5EC-44DE-BB9F-76835AAE565A}" type="datetimeFigureOut">
               <a:rPr lang="en-US" smtClean="0"/>
-              <a:t>5/8/2021</a:t>
+              <a:t>5/9/2021</a:t>
             </a:fld>
             <a:endParaRPr lang="en-US"/>
           </a:p>
@@ -2102,7 +2115,7 @@
           <a:p>
             <a:fld id="{87AF499A-B5EC-44DE-BB9F-76835AAE565A}" type="datetimeFigureOut">
               <a:rPr lang="en-US" smtClean="0"/>
-              <a:t>5/8/2021</a:t>
+              <a:t>5/9/2021</a:t>
             </a:fld>
             <a:endParaRPr lang="en-US"/>
           </a:p>
@@ -2215,7 +2228,7 @@
           <a:p>
             <a:fld id="{87AF499A-B5EC-44DE-BB9F-76835AAE565A}" type="datetimeFigureOut">
               <a:rPr lang="en-US" smtClean="0"/>
-              <a:t>5/8/2021</a:t>
+              <a:t>5/9/2021</a:t>
             </a:fld>
             <a:endParaRPr lang="en-US"/>
           </a:p>
@@ -2526,7 +2539,7 @@
           <a:p>
             <a:fld id="{87AF499A-B5EC-44DE-BB9F-76835AAE565A}" type="datetimeFigureOut">
               <a:rPr lang="en-US" smtClean="0"/>
-              <a:t>5/8/2021</a:t>
+              <a:t>5/9/2021</a:t>
             </a:fld>
             <a:endParaRPr lang="en-US"/>
           </a:p>
@@ -2814,7 +2827,7 @@
           <a:p>
             <a:fld id="{87AF499A-B5EC-44DE-BB9F-76835AAE565A}" type="datetimeFigureOut">
               <a:rPr lang="en-US" smtClean="0"/>
-              <a:t>5/8/2021</a:t>
+              <a:t>5/9/2021</a:t>
             </a:fld>
             <a:endParaRPr lang="en-US"/>
           </a:p>
@@ -3055,7 +3068,7 @@
           <a:p>
             <a:fld id="{87AF499A-B5EC-44DE-BB9F-76835AAE565A}" type="datetimeFigureOut">
               <a:rPr lang="en-US" smtClean="0"/>
-              <a:t>5/8/2021</a:t>
+              <a:t>5/9/2021</a:t>
             </a:fld>
             <a:endParaRPr lang="en-US"/>
           </a:p>

--- a/figures.pptx
+++ b/figures.pptx
@@ -118,7 +118,7 @@
 <file path=ppt/revisionInfo.xml><?xml version="1.0" encoding="utf-8"?>
 <p1510:revInfo xmlns:a="http://schemas.openxmlformats.org/drawingml/2006/main" xmlns:r="http://schemas.openxmlformats.org/officeDocument/2006/relationships" xmlns:p1510="http://schemas.microsoft.com/office/powerpoint/2015/10/main">
   <p1510:revLst>
-    <p1510:client id="{2FDF1659-7F8E-48BD-B39B-5AF4D9376796}" v="9" dt="2021-05-09T13:09:28.806"/>
+    <p1510:client id="{2FDF1659-7F8E-48BD-B39B-5AF4D9376796}" v="13" dt="2021-05-09T13:19:40.615"/>
   </p1510:revLst>
 </p1510:revInfo>
 </file>
@@ -128,12 +128,12 @@
   <pc:docChgLst>
     <pc:chgData name="Sam Min" userId="2c486e0831a7b967" providerId="LiveId" clId="{2FDF1659-7F8E-48BD-B39B-5AF4D9376796}"/>
     <pc:docChg chg="custSel addSld modSld">
-      <pc:chgData name="Sam Min" userId="2c486e0831a7b967" providerId="LiveId" clId="{2FDF1659-7F8E-48BD-B39B-5AF4D9376796}" dt="2021-05-09T13:09:30.696" v="117" actId="478"/>
+      <pc:chgData name="Sam Min" userId="2c486e0831a7b967" providerId="LiveId" clId="{2FDF1659-7F8E-48BD-B39B-5AF4D9376796}" dt="2021-05-09T13:19:40.614" v="128" actId="164"/>
       <pc:docMkLst>
         <pc:docMk/>
       </pc:docMkLst>
       <pc:sldChg chg="addSp delSp modSp mod">
-        <pc:chgData name="Sam Min" userId="2c486e0831a7b967" providerId="LiveId" clId="{2FDF1659-7F8E-48BD-B39B-5AF4D9376796}" dt="2021-05-09T13:09:30.696" v="117" actId="478"/>
+        <pc:chgData name="Sam Min" userId="2c486e0831a7b967" providerId="LiveId" clId="{2FDF1659-7F8E-48BD-B39B-5AF4D9376796}" dt="2021-05-09T13:19:08.998" v="122" actId="164"/>
         <pc:sldMkLst>
           <pc:docMk/>
           <pc:sldMk cId="3543725611" sldId="257"/>
@@ -154,22 +154,38 @@
             <ac:spMk id="26" creationId="{39615833-9C28-48BC-AC17-559F857C8F50}"/>
           </ac:spMkLst>
         </pc:spChg>
-        <pc:grpChg chg="mod">
-          <ac:chgData name="Sam Min" userId="2c486e0831a7b967" providerId="LiveId" clId="{2FDF1659-7F8E-48BD-B39B-5AF4D9376796}" dt="2021-05-09T13:01:44.499" v="107" actId="164"/>
+        <pc:grpChg chg="add mod">
+          <ac:chgData name="Sam Min" userId="2c486e0831a7b967" providerId="LiveId" clId="{2FDF1659-7F8E-48BD-B39B-5AF4D9376796}" dt="2021-05-09T13:19:08.998" v="122" actId="164"/>
+          <ac:grpSpMkLst>
+            <pc:docMk/>
+            <pc:sldMk cId="3543725611" sldId="257"/>
+            <ac:grpSpMk id="4" creationId="{6BE5B665-79C4-4B58-B24E-71C4257D1BE9}"/>
+          </ac:grpSpMkLst>
+        </pc:grpChg>
+        <pc:grpChg chg="mod topLvl">
+          <ac:chgData name="Sam Min" userId="2c486e0831a7b967" providerId="LiveId" clId="{2FDF1659-7F8E-48BD-B39B-5AF4D9376796}" dt="2021-05-09T13:19:08.998" v="122" actId="164"/>
           <ac:grpSpMkLst>
             <pc:docMk/>
             <pc:sldMk cId="3543725611" sldId="257"/>
             <ac:grpSpMk id="21" creationId="{6D14FD18-5884-41CB-A043-FBD1E4215592}"/>
           </ac:grpSpMkLst>
         </pc:grpChg>
-        <pc:grpChg chg="add mod">
-          <ac:chgData name="Sam Min" userId="2c486e0831a7b967" providerId="LiveId" clId="{2FDF1659-7F8E-48BD-B39B-5AF4D9376796}" dt="2021-05-09T13:01:44.499" v="107" actId="164"/>
+        <pc:grpChg chg="add del mod">
+          <ac:chgData name="Sam Min" userId="2c486e0831a7b967" providerId="LiveId" clId="{2FDF1659-7F8E-48BD-B39B-5AF4D9376796}" dt="2021-05-09T13:18:58.301" v="118" actId="478"/>
           <ac:grpSpMkLst>
             <pc:docMk/>
             <pc:sldMk cId="3543725611" sldId="257"/>
             <ac:grpSpMk id="27" creationId="{0775DDBE-37A7-4439-A8F2-460990CC497B}"/>
           </ac:grpSpMkLst>
         </pc:grpChg>
+        <pc:picChg chg="add mod">
+          <ac:chgData name="Sam Min" userId="2c486e0831a7b967" providerId="LiveId" clId="{2FDF1659-7F8E-48BD-B39B-5AF4D9376796}" dt="2021-05-09T13:19:08.998" v="122" actId="164"/>
+          <ac:picMkLst>
+            <pc:docMk/>
+            <pc:sldMk cId="3543725611" sldId="257"/>
+            <ac:picMk id="3" creationId="{C8C7DA23-5AE6-48A1-9DDE-1D5AB0F84286}"/>
+          </ac:picMkLst>
+        </pc:picChg>
         <pc:picChg chg="add del mod">
           <ac:chgData name="Sam Min" userId="2c486e0831a7b967" providerId="LiveId" clId="{2FDF1659-7F8E-48BD-B39B-5AF4D9376796}" dt="2021-05-09T13:09:30.696" v="117" actId="478"/>
           <ac:picMkLst>
@@ -194,8 +210,8 @@
             <ac:picMk id="23" creationId="{C5ED148F-D585-4C34-8AC1-50EB14BF5830}"/>
           </ac:picMkLst>
         </pc:picChg>
-        <pc:picChg chg="add mod">
-          <ac:chgData name="Sam Min" userId="2c486e0831a7b967" providerId="LiveId" clId="{2FDF1659-7F8E-48BD-B39B-5AF4D9376796}" dt="2021-05-09T13:01:44.499" v="107" actId="164"/>
+        <pc:picChg chg="add del mod topLvl">
+          <ac:chgData name="Sam Min" userId="2c486e0831a7b967" providerId="LiveId" clId="{2FDF1659-7F8E-48BD-B39B-5AF4D9376796}" dt="2021-05-09T13:18:58.301" v="118" actId="478"/>
           <ac:picMkLst>
             <pc:docMk/>
             <pc:sldMk cId="3543725611" sldId="257"/>
@@ -204,7 +220,7 @@
         </pc:picChg>
       </pc:sldChg>
       <pc:sldChg chg="addSp delSp modSp new mod">
-        <pc:chgData name="Sam Min" userId="2c486e0831a7b967" providerId="LiveId" clId="{2FDF1659-7F8E-48BD-B39B-5AF4D9376796}" dt="2021-05-09T13:02:10.703" v="113" actId="164"/>
+        <pc:chgData name="Sam Min" userId="2c486e0831a7b967" providerId="LiveId" clId="{2FDF1659-7F8E-48BD-B39B-5AF4D9376796}" dt="2021-05-09T13:19:40.614" v="128" actId="164"/>
         <pc:sldMkLst>
           <pc:docMk/>
           <pc:sldMk cId="3029445415" sldId="259"/>
@@ -241,8 +257,8 @@
             <ac:spMk id="7" creationId="{59213A46-C515-40BB-9C8C-EE6750B56F4F}"/>
           </ac:spMkLst>
         </pc:spChg>
-        <pc:grpChg chg="add mod">
-          <ac:chgData name="Sam Min" userId="2c486e0831a7b967" providerId="LiveId" clId="{2FDF1659-7F8E-48BD-B39B-5AF4D9376796}" dt="2021-05-09T13:02:10.703" v="113" actId="164"/>
+        <pc:grpChg chg="add del mod">
+          <ac:chgData name="Sam Min" userId="2c486e0831a7b967" providerId="LiveId" clId="{2FDF1659-7F8E-48BD-B39B-5AF4D9376796}" dt="2021-05-09T13:19:32.087" v="123" actId="478"/>
           <ac:grpSpMkLst>
             <pc:docMk/>
             <pc:sldMk cId="3029445415" sldId="259"/>
@@ -250,15 +266,31 @@
           </ac:grpSpMkLst>
         </pc:grpChg>
         <pc:grpChg chg="add mod">
-          <ac:chgData name="Sam Min" userId="2c486e0831a7b967" providerId="LiveId" clId="{2FDF1659-7F8E-48BD-B39B-5AF4D9376796}" dt="2021-05-09T13:02:10.703" v="113" actId="164"/>
+          <ac:chgData name="Sam Min" userId="2c486e0831a7b967" providerId="LiveId" clId="{2FDF1659-7F8E-48BD-B39B-5AF4D9376796}" dt="2021-05-09T13:19:40.614" v="128" actId="164"/>
           <ac:grpSpMkLst>
             <pc:docMk/>
             <pc:sldMk cId="3029445415" sldId="259"/>
             <ac:grpSpMk id="8" creationId="{F9A3FF02-37AF-4858-A224-CFBD50827F58}"/>
           </ac:grpSpMkLst>
         </pc:grpChg>
+        <pc:grpChg chg="add mod">
+          <ac:chgData name="Sam Min" userId="2c486e0831a7b967" providerId="LiveId" clId="{2FDF1659-7F8E-48BD-B39B-5AF4D9376796}" dt="2021-05-09T13:19:40.614" v="128" actId="164"/>
+          <ac:grpSpMkLst>
+            <pc:docMk/>
+            <pc:sldMk cId="3029445415" sldId="259"/>
+            <ac:grpSpMk id="9" creationId="{AD3A3AFC-D91E-42BE-A31D-53F60F8C4B93}"/>
+          </ac:grpSpMkLst>
+        </pc:grpChg>
         <pc:picChg chg="add mod">
-          <ac:chgData name="Sam Min" userId="2c486e0831a7b967" providerId="LiveId" clId="{2FDF1659-7F8E-48BD-B39B-5AF4D9376796}" dt="2021-05-09T13:01:56.431" v="108" actId="164"/>
+          <ac:chgData name="Sam Min" userId="2c486e0831a7b967" providerId="LiveId" clId="{2FDF1659-7F8E-48BD-B39B-5AF4D9376796}" dt="2021-05-09T13:19:40.614" v="128" actId="164"/>
+          <ac:picMkLst>
+            <pc:docMk/>
+            <pc:sldMk cId="3029445415" sldId="259"/>
+            <ac:picMk id="3" creationId="{E7269ED4-B8B6-4392-B428-39618F197A1C}"/>
+          </ac:picMkLst>
+        </pc:picChg>
+        <pc:picChg chg="add del mod">
+          <ac:chgData name="Sam Min" userId="2c486e0831a7b967" providerId="LiveId" clId="{2FDF1659-7F8E-48BD-B39B-5AF4D9376796}" dt="2021-05-09T13:19:32.087" v="123" actId="478"/>
           <ac:picMkLst>
             <pc:docMk/>
             <pc:sldMk cId="3029445415" sldId="259"/>
@@ -3734,10 +3766,10 @@
       </p:grpSpPr>
       <p:grpSp>
         <p:nvGrpSpPr>
-          <p:cNvPr id="27" name="Group 26">
-            <a:extLst>
-              <a:ext uri="{FF2B5EF4-FFF2-40B4-BE49-F238E27FC236}">
-                <a16:creationId xmlns:a16="http://schemas.microsoft.com/office/drawing/2014/main" id="{0775DDBE-37A7-4439-A8F2-460990CC497B}"/>
+          <p:cNvPr id="4" name="Group 3">
+            <a:extLst>
+              <a:ext uri="{FF2B5EF4-FFF2-40B4-BE49-F238E27FC236}">
+                <a16:creationId xmlns:a16="http://schemas.microsoft.com/office/drawing/2014/main" id="{6BE5B665-79C4-4B58-B24E-71C4257D1BE9}"/>
               </a:ext>
             </a:extLst>
           </p:cNvPr>
@@ -4008,10 +4040,10 @@
         </p:grpSp>
         <p:pic>
           <p:nvPicPr>
-            <p:cNvPr id="25" name="Picture 24" descr="Chart, scatter chart&#10;&#10;Description automatically generated">
+            <p:cNvPr id="3" name="Picture 2" descr="Chart, scatter chart&#10;&#10;Description automatically generated">
               <a:extLst>
                 <a:ext uri="{FF2B5EF4-FFF2-40B4-BE49-F238E27FC236}">
-                  <a16:creationId xmlns:a16="http://schemas.microsoft.com/office/drawing/2014/main" id="{398AB287-A634-4F79-B3CE-F9DF0DE7F86F}"/>
+                  <a16:creationId xmlns:a16="http://schemas.microsoft.com/office/drawing/2014/main" id="{C8C7DA23-5AE6-48A1-9DDE-1D5AB0F84286}"/>
                 </a:ext>
               </a:extLst>
             </p:cNvPr>
@@ -4034,7 +4066,7 @@
           </p:blipFill>
           <p:spPr>
             <a:xfrm>
-              <a:off x="4558919" y="1065853"/>
+              <a:off x="4567766" y="1046803"/>
               <a:ext cx="3392424" cy="3392424"/>
             </a:xfrm>
             <a:prstGeom prst="rect">
@@ -4075,10 +4107,10 @@
       </p:grpSpPr>
       <p:grpSp>
         <p:nvGrpSpPr>
-          <p:cNvPr id="8" name="Group 7">
-            <a:extLst>
-              <a:ext uri="{FF2B5EF4-FFF2-40B4-BE49-F238E27FC236}">
-                <a16:creationId xmlns:a16="http://schemas.microsoft.com/office/drawing/2014/main" id="{F9A3FF02-37AF-4858-A224-CFBD50827F58}"/>
+          <p:cNvPr id="9" name="Group 8">
+            <a:extLst>
+              <a:ext uri="{FF2B5EF4-FFF2-40B4-BE49-F238E27FC236}">
+                <a16:creationId xmlns:a16="http://schemas.microsoft.com/office/drawing/2014/main" id="{AD3A3AFC-D91E-42BE-A31D-53F60F8C4B93}"/>
               </a:ext>
             </a:extLst>
           </p:cNvPr>
@@ -4087,70 +4119,18 @@
         </p:nvGrpSpPr>
         <p:grpSpPr>
           <a:xfrm>
-            <a:off x="2285239" y="931333"/>
-            <a:ext cx="3708269" cy="4106334"/>
-            <a:chOff x="2285239" y="931333"/>
-            <a:chExt cx="3708269" cy="4106334"/>
+            <a:off x="2387600" y="931333"/>
+            <a:ext cx="3605908" cy="4106334"/>
+            <a:chOff x="2387600" y="931333"/>
+            <a:chExt cx="3605908" cy="4106334"/>
           </a:xfrm>
         </p:grpSpPr>
-        <p:sp>
-          <p:nvSpPr>
-            <p:cNvPr id="7" name="Rectangle 6">
+        <p:grpSp>
+          <p:nvGrpSpPr>
+            <p:cNvPr id="8" name="Group 7">
               <a:extLst>
                 <a:ext uri="{FF2B5EF4-FFF2-40B4-BE49-F238E27FC236}">
-                  <a16:creationId xmlns:a16="http://schemas.microsoft.com/office/drawing/2014/main" id="{59213A46-C515-40BB-9C8C-EE6750B56F4F}"/>
-                </a:ext>
-              </a:extLst>
-            </p:cNvPr>
-            <p:cNvSpPr/>
-            <p:nvPr/>
-          </p:nvSpPr>
-          <p:spPr>
-            <a:xfrm>
-              <a:off x="2387600" y="931333"/>
-              <a:ext cx="3605908" cy="4106334"/>
-            </a:xfrm>
-            <a:prstGeom prst="rect">
-              <a:avLst/>
-            </a:prstGeom>
-            <a:solidFill>
-              <a:schemeClr val="bg1"/>
-            </a:solidFill>
-            <a:ln>
-              <a:noFill/>
-            </a:ln>
-          </p:spPr>
-          <p:style>
-            <a:lnRef idx="2">
-              <a:schemeClr val="accent1">
-                <a:shade val="50000"/>
-              </a:schemeClr>
-            </a:lnRef>
-            <a:fillRef idx="1">
-              <a:schemeClr val="accent1"/>
-            </a:fillRef>
-            <a:effectRef idx="0">
-              <a:schemeClr val="accent1"/>
-            </a:effectRef>
-            <a:fontRef idx="minor">
-              <a:schemeClr val="lt1"/>
-            </a:fontRef>
-          </p:style>
-          <p:txBody>
-            <a:bodyPr rtlCol="0" anchor="ctr"/>
-            <a:lstStyle/>
-            <a:p>
-              <a:pPr algn="ctr"/>
-              <a:endParaRPr lang="en-US"/>
-            </a:p>
-          </p:txBody>
-        </p:sp>
-        <p:grpSp>
-          <p:nvGrpSpPr>
-            <p:cNvPr id="6" name="Group 5">
-              <a:extLst>
-                <a:ext uri="{FF2B5EF4-FFF2-40B4-BE49-F238E27FC236}">
-                  <a16:creationId xmlns:a16="http://schemas.microsoft.com/office/drawing/2014/main" id="{450F11F1-C394-4D23-A492-8A1E09D27E49}"/>
+                  <a16:creationId xmlns:a16="http://schemas.microsoft.com/office/drawing/2014/main" id="{F9A3FF02-37AF-4858-A224-CFBD50827F58}"/>
                 </a:ext>
               </a:extLst>
             </p:cNvPr>
@@ -4159,48 +4139,64 @@
           </p:nvGrpSpPr>
           <p:grpSpPr>
             <a:xfrm>
-              <a:off x="2285239" y="1039999"/>
-              <a:ext cx="3708269" cy="3867011"/>
-              <a:chOff x="2285239" y="1039999"/>
-              <a:chExt cx="3708269" cy="3867011"/>
+              <a:off x="2387600" y="931333"/>
+              <a:ext cx="3605908" cy="4106334"/>
+              <a:chOff x="2387600" y="931333"/>
+              <a:chExt cx="3605908" cy="4106334"/>
             </a:xfrm>
           </p:grpSpPr>
-          <p:pic>
-            <p:nvPicPr>
-              <p:cNvPr id="4" name="Picture 3" descr="Chart, scatter chart&#10;&#10;Description automatically generated">
+          <p:sp>
+            <p:nvSpPr>
+              <p:cNvPr id="7" name="Rectangle 6">
                 <a:extLst>
                   <a:ext uri="{FF2B5EF4-FFF2-40B4-BE49-F238E27FC236}">
-                    <a16:creationId xmlns:a16="http://schemas.microsoft.com/office/drawing/2014/main" id="{326B31B4-62F1-4132-BDA4-DD9083C888A8}"/>
+                    <a16:creationId xmlns:a16="http://schemas.microsoft.com/office/drawing/2014/main" id="{59213A46-C515-40BB-9C8C-EE6750B56F4F}"/>
                   </a:ext>
                 </a:extLst>
               </p:cNvPr>
-              <p:cNvPicPr>
-                <a:picLocks noChangeAspect="1"/>
-              </p:cNvPicPr>
+              <p:cNvSpPr/>
               <p:nvPr/>
-            </p:nvPicPr>
-            <p:blipFill>
-              <a:blip r:embed="rId2">
-                <a:extLst>
-                  <a:ext uri="{28A0092B-C50C-407E-A947-70E740481C1C}">
-                    <a14:useLocalDpi xmlns:a14="http://schemas.microsoft.com/office/drawing/2010/main" val="0"/>
-                  </a:ext>
-                </a:extLst>
-              </a:blip>
-              <a:stretch>
-                <a:fillRect/>
-              </a:stretch>
-            </p:blipFill>
+            </p:nvSpPr>
             <p:spPr>
               <a:xfrm>
-                <a:off x="2285239" y="1514586"/>
-                <a:ext cx="3392424" cy="3392424"/>
+                <a:off x="2387600" y="931333"/>
+                <a:ext cx="3605908" cy="4106334"/>
               </a:xfrm>
               <a:prstGeom prst="rect">
                 <a:avLst/>
               </a:prstGeom>
+              <a:solidFill>
+                <a:schemeClr val="bg1"/>
+              </a:solidFill>
+              <a:ln>
+                <a:noFill/>
+              </a:ln>
             </p:spPr>
-          </p:pic>
+            <p:style>
+              <a:lnRef idx="2">
+                <a:schemeClr val="accent1">
+                  <a:shade val="50000"/>
+                </a:schemeClr>
+              </a:lnRef>
+              <a:fillRef idx="1">
+                <a:schemeClr val="accent1"/>
+              </a:fillRef>
+              <a:effectRef idx="0">
+                <a:schemeClr val="accent1"/>
+              </a:effectRef>
+              <a:fontRef idx="minor">
+                <a:schemeClr val="lt1"/>
+              </a:fontRef>
+            </p:style>
+            <p:txBody>
+              <a:bodyPr rtlCol="0" anchor="ctr"/>
+              <a:lstStyle/>
+              <a:p>
+                <a:pPr algn="ctr"/>
+                <a:endParaRPr lang="en-US"/>
+              </a:p>
+            </p:txBody>
+          </p:sp>
           <p:sp>
             <p:nvSpPr>
               <p:cNvPr id="5" name="TextBox 4">
@@ -4254,6 +4250,42 @@
             </p:txBody>
           </p:sp>
         </p:grpSp>
+        <p:pic>
+          <p:nvPicPr>
+            <p:cNvPr id="3" name="Picture 2" descr="Chart, scatter chart&#10;&#10;Description automatically generated">
+              <a:extLst>
+                <a:ext uri="{FF2B5EF4-FFF2-40B4-BE49-F238E27FC236}">
+                  <a16:creationId xmlns:a16="http://schemas.microsoft.com/office/drawing/2014/main" id="{E7269ED4-B8B6-4392-B428-39618F197A1C}"/>
+                </a:ext>
+              </a:extLst>
+            </p:cNvPr>
+            <p:cNvPicPr>
+              <a:picLocks noChangeAspect="1"/>
+            </p:cNvPicPr>
+            <p:nvPr/>
+          </p:nvPicPr>
+          <p:blipFill>
+            <a:blip r:embed="rId2">
+              <a:extLst>
+                <a:ext uri="{28A0092B-C50C-407E-A947-70E740481C1C}">
+                  <a14:useLocalDpi xmlns:a14="http://schemas.microsoft.com/office/drawing/2010/main" val="0"/>
+                </a:ext>
+              </a:extLst>
+            </a:blip>
+            <a:stretch>
+              <a:fillRect/>
+            </a:stretch>
+          </p:blipFill>
+          <p:spPr>
+            <a:xfrm>
+              <a:off x="2387600" y="1527287"/>
+              <a:ext cx="3392424" cy="3392424"/>
+            </a:xfrm>
+            <a:prstGeom prst="rect">
+              <a:avLst/>
+            </a:prstGeom>
+          </p:spPr>
+        </p:pic>
       </p:grpSp>
     </p:spTree>
     <p:extLst>
